--- a/Introduction to Jenkins.pptx
+++ b/Introduction to Jenkins.pptx
@@ -9,18 +9,13 @@
     <p:sldId id="257" r:id="rId3"/>
     <p:sldId id="258" r:id="rId4"/>
     <p:sldId id="259" r:id="rId5"/>
-    <p:sldId id="260" r:id="rId6"/>
-    <p:sldId id="261" r:id="rId7"/>
-    <p:sldId id="262" r:id="rId8"/>
-    <p:sldId id="263" r:id="rId9"/>
-    <p:sldId id="264" r:id="rId10"/>
-    <p:sldId id="265" r:id="rId11"/>
-    <p:sldId id="266" r:id="rId12"/>
-    <p:sldId id="267" r:id="rId13"/>
-    <p:sldId id="268" r:id="rId14"/>
-    <p:sldId id="269" r:id="rId15"/>
-    <p:sldId id="270" r:id="rId16"/>
-    <p:sldId id="271" r:id="rId17"/>
+    <p:sldId id="261" r:id="rId6"/>
+    <p:sldId id="262" r:id="rId7"/>
+    <p:sldId id="263" r:id="rId8"/>
+    <p:sldId id="264" r:id="rId9"/>
+    <p:sldId id="265" r:id="rId10"/>
+    <p:sldId id="270" r:id="rId11"/>
+    <p:sldId id="271" r:id="rId12"/>
   </p:sldIdLst>
   <p:sldSz cx="9144000" cy="6858000" type="screen4x3"/>
   <p:notesSz cx="6858000" cy="9144000"/>
@@ -296,7 +291,7 @@
             <a:fld id="{E32A3F4D-212A-449C-AD39-AE8A6511DF21}" type="datetimeFigureOut">
               <a:rPr lang="en-US" smtClean="0"/>
               <a:pPr/>
-              <a:t>6/6/2017</a:t>
+              <a:t>3/26/2018</a:t>
             </a:fld>
             <a:endParaRPr lang="en-US"/>
           </a:p>
@@ -463,7 +458,7 @@
             <a:fld id="{E32A3F4D-212A-449C-AD39-AE8A6511DF21}" type="datetimeFigureOut">
               <a:rPr lang="en-US" smtClean="0"/>
               <a:pPr/>
-              <a:t>6/6/2017</a:t>
+              <a:t>3/26/2018</a:t>
             </a:fld>
             <a:endParaRPr lang="en-US"/>
           </a:p>
@@ -640,7 +635,7 @@
             <a:fld id="{E32A3F4D-212A-449C-AD39-AE8A6511DF21}" type="datetimeFigureOut">
               <a:rPr lang="en-US" smtClean="0"/>
               <a:pPr/>
-              <a:t>6/6/2017</a:t>
+              <a:t>3/26/2018</a:t>
             </a:fld>
             <a:endParaRPr lang="en-US"/>
           </a:p>
@@ -807,7 +802,7 @@
             <a:fld id="{E32A3F4D-212A-449C-AD39-AE8A6511DF21}" type="datetimeFigureOut">
               <a:rPr lang="en-US" smtClean="0"/>
               <a:pPr/>
-              <a:t>6/6/2017</a:t>
+              <a:t>3/26/2018</a:t>
             </a:fld>
             <a:endParaRPr lang="en-US"/>
           </a:p>
@@ -1051,7 +1046,7 @@
             <a:fld id="{E32A3F4D-212A-449C-AD39-AE8A6511DF21}" type="datetimeFigureOut">
               <a:rPr lang="en-US" smtClean="0"/>
               <a:pPr/>
-              <a:t>6/6/2017</a:t>
+              <a:t>3/26/2018</a:t>
             </a:fld>
             <a:endParaRPr lang="en-US"/>
           </a:p>
@@ -1317,7 +1312,7 @@
             <a:fld id="{E32A3F4D-212A-449C-AD39-AE8A6511DF21}" type="datetimeFigureOut">
               <a:rPr lang="en-US" smtClean="0"/>
               <a:pPr/>
-              <a:t>6/6/2017</a:t>
+              <a:t>3/26/2018</a:t>
             </a:fld>
             <a:endParaRPr lang="en-US"/>
           </a:p>
@@ -1697,7 +1692,7 @@
             <a:fld id="{E32A3F4D-212A-449C-AD39-AE8A6511DF21}" type="datetimeFigureOut">
               <a:rPr lang="en-US" smtClean="0"/>
               <a:pPr/>
-              <a:t>6/6/2017</a:t>
+              <a:t>3/26/2018</a:t>
             </a:fld>
             <a:endParaRPr lang="en-US"/>
           </a:p>
@@ -1849,7 +1844,7 @@
             <a:fld id="{E32A3F4D-212A-449C-AD39-AE8A6511DF21}" type="datetimeFigureOut">
               <a:rPr lang="en-US" smtClean="0"/>
               <a:pPr/>
-              <a:t>6/6/2017</a:t>
+              <a:t>3/26/2018</a:t>
             </a:fld>
             <a:endParaRPr lang="en-US"/>
           </a:p>
@@ -1941,7 +1936,7 @@
             <a:fld id="{E32A3F4D-212A-449C-AD39-AE8A6511DF21}" type="datetimeFigureOut">
               <a:rPr lang="en-US" smtClean="0"/>
               <a:pPr/>
-              <a:t>6/6/2017</a:t>
+              <a:t>3/26/2018</a:t>
             </a:fld>
             <a:endParaRPr lang="en-US"/>
           </a:p>
@@ -2204,7 +2199,7 @@
             <a:fld id="{E32A3F4D-212A-449C-AD39-AE8A6511DF21}" type="datetimeFigureOut">
               <a:rPr lang="en-US" smtClean="0"/>
               <a:pPr/>
-              <a:t>6/6/2017</a:t>
+              <a:t>3/26/2018</a:t>
             </a:fld>
             <a:endParaRPr lang="en-US"/>
           </a:p>
@@ -2494,7 +2489,7 @@
             <a:fld id="{E32A3F4D-212A-449C-AD39-AE8A6511DF21}" type="datetimeFigureOut">
               <a:rPr lang="en-US" smtClean="0"/>
               <a:pPr/>
-              <a:t>6/6/2017</a:t>
+              <a:t>3/26/2018</a:t>
             </a:fld>
             <a:endParaRPr lang="en-US"/>
           </a:p>
@@ -3267,7 +3262,7 @@
             <a:fld id="{E32A3F4D-212A-449C-AD39-AE8A6511DF21}" type="datetimeFigureOut">
               <a:rPr lang="en-US" smtClean="0"/>
               <a:pPr/>
-              <a:t>6/6/2017</a:t>
+              <a:t>3/26/2018</a:t>
             </a:fld>
             <a:endParaRPr lang="en-US"/>
           </a:p>
@@ -3979,901 +3974,6 @@
           <a:bodyPr/>
           <a:lstStyle/>
           <a:p>
-            <a:r>
-              <a:rPr lang="en-US" dirty="0" smtClean="0"/>
-              <a:t>Practices</a:t>
-            </a:r>
-            <a:endParaRPr lang="en-US" dirty="0"/>
-          </a:p>
-        </p:txBody>
-      </p:sp>
-      <p:sp>
-        <p:nvSpPr>
-          <p:cNvPr id="3" name="Content Placeholder 2"/>
-          <p:cNvSpPr>
-            <a:spLocks noGrp="1"/>
-          </p:cNvSpPr>
-          <p:nvPr>
-            <p:ph idx="1"/>
-          </p:nvPr>
-        </p:nvSpPr>
-        <p:spPr/>
-        <p:txBody>
-          <a:bodyPr/>
-          <a:lstStyle/>
-          <a:p>
-            <a:r>
-              <a:rPr lang="en-US" dirty="0" err="1" smtClean="0"/>
-              <a:t>Git</a:t>
-            </a:r>
-            <a:r>
-              <a:rPr lang="en-US" dirty="0" smtClean="0"/>
-              <a:t>, </a:t>
-            </a:r>
-            <a:r>
-              <a:rPr lang="en-US" dirty="0" err="1" smtClean="0"/>
-              <a:t>Github</a:t>
-            </a:r>
-            <a:endParaRPr lang="en-US" dirty="0" smtClean="0"/>
-          </a:p>
-          <a:p>
-            <a:r>
-              <a:rPr lang="en-US" dirty="0" err="1" smtClean="0"/>
-              <a:t>MSBuild</a:t>
-            </a:r>
-            <a:r>
-              <a:rPr lang="en-US" dirty="0" smtClean="0"/>
-              <a:t>, </a:t>
-            </a:r>
-            <a:r>
-              <a:rPr lang="en-US" dirty="0" err="1" smtClean="0"/>
-              <a:t>Nuget</a:t>
-            </a:r>
-            <a:r>
-              <a:rPr lang="en-US" dirty="0" smtClean="0"/>
-              <a:t>, </a:t>
-            </a:r>
-            <a:r>
-              <a:rPr lang="en-US" dirty="0" err="1" smtClean="0"/>
-              <a:t>Nunit</a:t>
-            </a:r>
-            <a:r>
-              <a:rPr lang="en-US" dirty="0" smtClean="0"/>
-              <a:t> </a:t>
-            </a:r>
-          </a:p>
-          <a:p>
-            <a:r>
-              <a:rPr lang="en-US" dirty="0" smtClean="0"/>
-              <a:t>Unit tests</a:t>
-            </a:r>
-          </a:p>
-          <a:p>
-            <a:r>
-              <a:rPr lang="en-US" dirty="0" err="1" smtClean="0"/>
-              <a:t>MSBuild</a:t>
-            </a:r>
-            <a:r>
-              <a:rPr lang="en-US" dirty="0" smtClean="0"/>
-              <a:t> Warnings</a:t>
-            </a:r>
-          </a:p>
-          <a:p>
-            <a:r>
-              <a:rPr lang="en-US" dirty="0" smtClean="0"/>
-              <a:t>SMTP/Email</a:t>
-            </a:r>
-          </a:p>
-          <a:p>
-            <a:r>
-              <a:rPr lang="en-US" dirty="0" smtClean="0"/>
-              <a:t>Pipeline</a:t>
-            </a:r>
-            <a:endParaRPr lang="en-US" dirty="0"/>
-          </a:p>
-        </p:txBody>
-      </p:sp>
-    </p:spTree>
-  </p:cSld>
-  <p:clrMapOvr>
-    <a:masterClrMapping/>
-  </p:clrMapOvr>
-  <p:timing>
-    <p:tnLst>
-      <p:par>
-        <p:cTn id="1" dur="indefinite" restart="never" nodeType="tmRoot"/>
-      </p:par>
-    </p:tnLst>
-  </p:timing>
-</p:sld>
-</file>
-
-<file path=ppt/slides/slide11.xml><?xml version="1.0" encoding="utf-8"?>
-<p:sld xmlns:a="http://schemas.openxmlformats.org/drawingml/2006/main" xmlns:r="http://schemas.openxmlformats.org/officeDocument/2006/relationships" xmlns:p="http://schemas.openxmlformats.org/presentationml/2006/main">
-  <p:cSld>
-    <p:spTree>
-      <p:nvGrpSpPr>
-        <p:cNvPr id="1" name=""/>
-        <p:cNvGrpSpPr/>
-        <p:nvPr/>
-      </p:nvGrpSpPr>
-      <p:grpSpPr>
-        <a:xfrm>
-          <a:off x="0" y="0"/>
-          <a:ext cx="0" cy="0"/>
-          <a:chOff x="0" y="0"/>
-          <a:chExt cx="0" cy="0"/>
-        </a:xfrm>
-      </p:grpSpPr>
-      <p:sp>
-        <p:nvSpPr>
-          <p:cNvPr id="2" name="Title 1"/>
-          <p:cNvSpPr>
-            <a:spLocks noGrp="1"/>
-          </p:cNvSpPr>
-          <p:nvPr>
-            <p:ph type="title"/>
-          </p:nvPr>
-        </p:nvSpPr>
-        <p:spPr/>
-        <p:txBody>
-          <a:bodyPr/>
-          <a:lstStyle/>
-          <a:p>
-            <a:r>
-              <a:rPr lang="en-US" dirty="0" smtClean="0"/>
-              <a:t>Master/Slave  </a:t>
-            </a:r>
-            <a:endParaRPr lang="en-US" dirty="0"/>
-          </a:p>
-        </p:txBody>
-      </p:sp>
-      <p:sp>
-        <p:nvSpPr>
-          <p:cNvPr id="3" name="Content Placeholder 2"/>
-          <p:cNvSpPr>
-            <a:spLocks noGrp="1"/>
-          </p:cNvSpPr>
-          <p:nvPr>
-            <p:ph idx="1"/>
-          </p:nvPr>
-        </p:nvSpPr>
-        <p:spPr/>
-        <p:txBody>
-          <a:bodyPr/>
-          <a:lstStyle/>
-          <a:p>
-            <a:r>
-              <a:rPr lang="en-US" dirty="0" smtClean="0"/>
-              <a:t>Master</a:t>
-            </a:r>
-          </a:p>
-          <a:p>
-            <a:pPr lvl="1"/>
-            <a:r>
-              <a:rPr lang="en-US" dirty="0" smtClean="0"/>
-              <a:t>Schedule build jobs</a:t>
-            </a:r>
-          </a:p>
-          <a:p>
-            <a:pPr lvl="1"/>
-            <a:r>
-              <a:rPr lang="en-US" dirty="0" smtClean="0"/>
-              <a:t>Dispatch builds to the slaves</a:t>
-            </a:r>
-          </a:p>
-          <a:p>
-            <a:r>
-              <a:rPr lang="en-US" dirty="0" smtClean="0"/>
-              <a:t>Slave:</a:t>
-            </a:r>
-          </a:p>
-          <a:p>
-            <a:pPr lvl="1"/>
-            <a:r>
-              <a:rPr lang="en-US" dirty="0" smtClean="0"/>
-              <a:t>Execute jobs dispatched by the master</a:t>
-            </a:r>
-            <a:endParaRPr lang="en-US" dirty="0"/>
-          </a:p>
-        </p:txBody>
-      </p:sp>
-    </p:spTree>
-  </p:cSld>
-  <p:clrMapOvr>
-    <a:masterClrMapping/>
-  </p:clrMapOvr>
-  <p:timing>
-    <p:tnLst>
-      <p:par>
-        <p:cTn id="1" dur="indefinite" restart="never" nodeType="tmRoot"/>
-      </p:par>
-    </p:tnLst>
-  </p:timing>
-</p:sld>
-</file>
-
-<file path=ppt/slides/slide12.xml><?xml version="1.0" encoding="utf-8"?>
-<p:sld xmlns:a="http://schemas.openxmlformats.org/drawingml/2006/main" xmlns:r="http://schemas.openxmlformats.org/officeDocument/2006/relationships" xmlns:p="http://schemas.openxmlformats.org/presentationml/2006/main">
-  <p:cSld>
-    <p:spTree>
-      <p:nvGrpSpPr>
-        <p:cNvPr id="1" name=""/>
-        <p:cNvGrpSpPr/>
-        <p:nvPr/>
-      </p:nvGrpSpPr>
-      <p:grpSpPr>
-        <a:xfrm>
-          <a:off x="0" y="0"/>
-          <a:ext cx="0" cy="0"/>
-          <a:chOff x="0" y="0"/>
-          <a:chExt cx="0" cy="0"/>
-        </a:xfrm>
-      </p:grpSpPr>
-      <p:sp>
-        <p:nvSpPr>
-          <p:cNvPr id="2" name="Title 1"/>
-          <p:cNvSpPr>
-            <a:spLocks noGrp="1"/>
-          </p:cNvSpPr>
-          <p:nvPr>
-            <p:ph type="title"/>
-          </p:nvPr>
-        </p:nvSpPr>
-        <p:spPr/>
-        <p:txBody>
-          <a:bodyPr/>
-          <a:lstStyle/>
-          <a:p>
-            <a:r>
-              <a:rPr lang="en-US" dirty="0" smtClean="0"/>
-              <a:t>Master/Slave</a:t>
-            </a:r>
-            <a:endParaRPr lang="en-US" dirty="0"/>
-          </a:p>
-        </p:txBody>
-      </p:sp>
-      <p:sp>
-        <p:nvSpPr>
-          <p:cNvPr id="3" name="Content Placeholder 2"/>
-          <p:cNvSpPr>
-            <a:spLocks noGrp="1"/>
-          </p:cNvSpPr>
-          <p:nvPr>
-            <p:ph idx="1"/>
-          </p:nvPr>
-        </p:nvSpPr>
-        <p:spPr/>
-        <p:txBody>
-          <a:bodyPr/>
-          <a:lstStyle/>
-          <a:p>
-            <a:endParaRPr lang="en-US"/>
-          </a:p>
-        </p:txBody>
-      </p:sp>
-      <p:pic>
-        <p:nvPicPr>
-          <p:cNvPr id="22530" name="Picture 2" descr="C:\Users\phillip.ko38\Desktop\temp\masterSlave.PNG"/>
-          <p:cNvPicPr>
-            <a:picLocks noChangeAspect="1" noChangeArrowheads="1"/>
-          </p:cNvPicPr>
-          <p:nvPr/>
-        </p:nvPicPr>
-        <p:blipFill>
-          <a:blip r:embed="rId2" cstate="print"/>
-          <a:srcRect/>
-          <a:stretch>
-            <a:fillRect/>
-          </a:stretch>
-        </p:blipFill>
-        <p:spPr bwMode="auto">
-          <a:xfrm>
-            <a:off x="381000" y="1905000"/>
-            <a:ext cx="4914901" cy="4048125"/>
-          </a:xfrm>
-          <a:prstGeom prst="rect">
-            <a:avLst/>
-          </a:prstGeom>
-          <a:noFill/>
-        </p:spPr>
-      </p:pic>
-      <p:pic>
-        <p:nvPicPr>
-          <p:cNvPr id="22531" name="Picture 3" descr="C:\Users\phillip.ko38\Desktop\temp\IMG_06062017_021213_0.png"/>
-          <p:cNvPicPr>
-            <a:picLocks noChangeAspect="1" noChangeArrowheads="1"/>
-          </p:cNvPicPr>
-          <p:nvPr/>
-        </p:nvPicPr>
-        <p:blipFill>
-          <a:blip r:embed="rId3" cstate="print"/>
-          <a:srcRect/>
-          <a:stretch>
-            <a:fillRect/>
-          </a:stretch>
-        </p:blipFill>
-        <p:spPr bwMode="auto">
-          <a:xfrm>
-            <a:off x="5410200" y="1752600"/>
-            <a:ext cx="3486150" cy="4857750"/>
-          </a:xfrm>
-          <a:prstGeom prst="rect">
-            <a:avLst/>
-          </a:prstGeom>
-          <a:noFill/>
-        </p:spPr>
-      </p:pic>
-    </p:spTree>
-  </p:cSld>
-  <p:clrMapOvr>
-    <a:masterClrMapping/>
-  </p:clrMapOvr>
-  <p:timing>
-    <p:tnLst>
-      <p:par>
-        <p:cTn id="1" dur="indefinite" restart="never" nodeType="tmRoot"/>
-      </p:par>
-    </p:tnLst>
-  </p:timing>
-</p:sld>
-</file>
-
-<file path=ppt/slides/slide13.xml><?xml version="1.0" encoding="utf-8"?>
-<p:sld xmlns:a="http://schemas.openxmlformats.org/drawingml/2006/main" xmlns:r="http://schemas.openxmlformats.org/officeDocument/2006/relationships" xmlns:p="http://schemas.openxmlformats.org/presentationml/2006/main">
-  <p:cSld>
-    <p:spTree>
-      <p:nvGrpSpPr>
-        <p:cNvPr id="1" name=""/>
-        <p:cNvGrpSpPr/>
-        <p:nvPr/>
-      </p:nvGrpSpPr>
-      <p:grpSpPr>
-        <a:xfrm>
-          <a:off x="0" y="0"/>
-          <a:ext cx="0" cy="0"/>
-          <a:chOff x="0" y="0"/>
-          <a:chExt cx="0" cy="0"/>
-        </a:xfrm>
-      </p:grpSpPr>
-      <p:sp>
-        <p:nvSpPr>
-          <p:cNvPr id="2" name="Title 1"/>
-          <p:cNvSpPr>
-            <a:spLocks noGrp="1"/>
-          </p:cNvSpPr>
-          <p:nvPr>
-            <p:ph type="title"/>
-          </p:nvPr>
-        </p:nvSpPr>
-        <p:spPr/>
-        <p:txBody>
-          <a:bodyPr/>
-          <a:lstStyle/>
-          <a:p>
-            <a:r>
-              <a:rPr lang="en-US" dirty="0" smtClean="0"/>
-              <a:t>Set up with two Linux servers</a:t>
-            </a:r>
-            <a:endParaRPr lang="en-US" dirty="0"/>
-          </a:p>
-        </p:txBody>
-      </p:sp>
-      <p:sp>
-        <p:nvSpPr>
-          <p:cNvPr id="3" name="Content Placeholder 2"/>
-          <p:cNvSpPr>
-            <a:spLocks noGrp="1"/>
-          </p:cNvSpPr>
-          <p:nvPr>
-            <p:ph idx="1"/>
-          </p:nvPr>
-        </p:nvSpPr>
-        <p:spPr/>
-        <p:txBody>
-          <a:bodyPr>
-            <a:normAutofit fontScale="40000" lnSpcReduction="20000"/>
-          </a:bodyPr>
-          <a:lstStyle/>
-          <a:p>
-            <a:r>
-              <a:rPr lang="en-US" sz="5000" dirty="0" smtClean="0"/>
-              <a:t>Master: Install Jenkins</a:t>
-            </a:r>
-          </a:p>
-          <a:p>
-            <a:endParaRPr lang="en-US" dirty="0" smtClean="0"/>
-          </a:p>
-          <a:p>
-            <a:r>
-              <a:rPr lang="en-US" dirty="0" err="1" smtClean="0"/>
-              <a:t>wget</a:t>
-            </a:r>
-            <a:r>
-              <a:rPr lang="en-US" dirty="0" smtClean="0"/>
-              <a:t> -q -0 - http://pkg.jenkins-ci.org/debian/jenkins-ci.org.key | apt-get add -</a:t>
-            </a:r>
-          </a:p>
-          <a:p>
-            <a:r>
-              <a:rPr lang="en-US" dirty="0" smtClean="0"/>
-              <a:t>echo </a:t>
-            </a:r>
-            <a:r>
-              <a:rPr lang="en-US" dirty="0" err="1" smtClean="0"/>
-              <a:t>deb</a:t>
-            </a:r>
-            <a:r>
-              <a:rPr lang="en-US" dirty="0" smtClean="0"/>
-              <a:t> http://pkg.jenkins-ci.org/debian binary/ &gt; /etc/apt/</a:t>
-            </a:r>
-            <a:r>
-              <a:rPr lang="en-US" dirty="0" err="1" smtClean="0"/>
-              <a:t>sources.list.d</a:t>
-            </a:r>
-            <a:r>
-              <a:rPr lang="en-US" dirty="0" smtClean="0"/>
-              <a:t>/</a:t>
-            </a:r>
-            <a:r>
-              <a:rPr lang="en-US" dirty="0" err="1" smtClean="0"/>
-              <a:t>jenkins.list</a:t>
-            </a:r>
-            <a:endParaRPr lang="en-US" dirty="0" smtClean="0"/>
-          </a:p>
-          <a:p>
-            <a:r>
-              <a:rPr lang="en-US" dirty="0" smtClean="0"/>
-              <a:t>apt-get update</a:t>
-            </a:r>
-          </a:p>
-          <a:p>
-            <a:r>
-              <a:rPr lang="en-US" dirty="0" smtClean="0"/>
-              <a:t>apt-get install </a:t>
-            </a:r>
-            <a:r>
-              <a:rPr lang="en-US" dirty="0" err="1" smtClean="0"/>
-              <a:t>jenkins</a:t>
-            </a:r>
-            <a:endParaRPr lang="en-US" dirty="0" smtClean="0"/>
-          </a:p>
-          <a:p>
-            <a:endParaRPr lang="en-US" dirty="0" smtClean="0"/>
-          </a:p>
-          <a:p>
-            <a:r>
-              <a:rPr lang="en-US" sz="5000" dirty="0" smtClean="0"/>
-              <a:t>Slave: Create SSH key</a:t>
-            </a:r>
-          </a:p>
-          <a:p>
-            <a:r>
-              <a:rPr lang="en-US" dirty="0" err="1" smtClean="0"/>
-              <a:t>sudo</a:t>
-            </a:r>
-            <a:r>
-              <a:rPr lang="en-US" dirty="0" smtClean="0"/>
-              <a:t> -</a:t>
-            </a:r>
-            <a:r>
-              <a:rPr lang="en-US" dirty="0" err="1" smtClean="0"/>
-              <a:t>iu</a:t>
-            </a:r>
-            <a:r>
-              <a:rPr lang="en-US" dirty="0" smtClean="0"/>
-              <a:t> </a:t>
-            </a:r>
-            <a:r>
-              <a:rPr lang="en-US" dirty="0" err="1" smtClean="0"/>
-              <a:t>jenkins</a:t>
-            </a:r>
-            <a:endParaRPr lang="en-US" dirty="0" smtClean="0"/>
-          </a:p>
-          <a:p>
-            <a:r>
-              <a:rPr lang="en-US" dirty="0" err="1" smtClean="0"/>
-              <a:t>ssh-keygen</a:t>
-            </a:r>
-            <a:r>
-              <a:rPr lang="en-US" dirty="0" smtClean="0"/>
-              <a:t> -t </a:t>
-            </a:r>
-            <a:r>
-              <a:rPr lang="en-US" dirty="0" err="1" smtClean="0"/>
-              <a:t>rsa</a:t>
-            </a:r>
-            <a:endParaRPr lang="en-US" dirty="0" smtClean="0"/>
-          </a:p>
-          <a:p>
-            <a:r>
-              <a:rPr lang="en-US" dirty="0" smtClean="0"/>
-              <a:t>the key: /</a:t>
-            </a:r>
-            <a:r>
-              <a:rPr lang="en-US" dirty="0" err="1" smtClean="0"/>
-              <a:t>var</a:t>
-            </a:r>
-            <a:r>
-              <a:rPr lang="en-US" dirty="0" smtClean="0"/>
-              <a:t>/lib/</a:t>
-            </a:r>
-            <a:r>
-              <a:rPr lang="en-US" dirty="0" err="1" smtClean="0"/>
-              <a:t>jenkins</a:t>
-            </a:r>
-            <a:r>
-              <a:rPr lang="en-US" dirty="0" smtClean="0"/>
-              <a:t>/.</a:t>
-            </a:r>
-            <a:r>
-              <a:rPr lang="en-US" dirty="0" err="1" smtClean="0"/>
-              <a:t>ssh</a:t>
-            </a:r>
-            <a:r>
-              <a:rPr lang="en-US" dirty="0" smtClean="0"/>
-              <a:t>/</a:t>
-            </a:r>
-            <a:r>
-              <a:rPr lang="en-US" dirty="0" err="1" smtClean="0"/>
-              <a:t>id_rsa</a:t>
-            </a:r>
-            <a:endParaRPr lang="en-US" dirty="0" smtClean="0"/>
-          </a:p>
-          <a:p>
-            <a:r>
-              <a:rPr lang="en-US" dirty="0" smtClean="0"/>
-              <a:t>identification: /</a:t>
-            </a:r>
-            <a:r>
-              <a:rPr lang="en-US" dirty="0" err="1" smtClean="0"/>
-              <a:t>var</a:t>
-            </a:r>
-            <a:r>
-              <a:rPr lang="en-US" dirty="0" smtClean="0"/>
-              <a:t>/lib/</a:t>
-            </a:r>
-            <a:r>
-              <a:rPr lang="en-US" dirty="0" err="1" smtClean="0"/>
-              <a:t>jenkins</a:t>
-            </a:r>
-            <a:r>
-              <a:rPr lang="en-US" dirty="0" smtClean="0"/>
-              <a:t>/.</a:t>
-            </a:r>
-            <a:r>
-              <a:rPr lang="en-US" dirty="0" err="1" smtClean="0"/>
-              <a:t>ssh</a:t>
-            </a:r>
-            <a:r>
-              <a:rPr lang="en-US" dirty="0" smtClean="0"/>
-              <a:t>/</a:t>
-            </a:r>
-            <a:r>
-              <a:rPr lang="en-US" dirty="0" err="1" smtClean="0"/>
-              <a:t>id_rsa</a:t>
-            </a:r>
-            <a:endParaRPr lang="en-US" dirty="0" smtClean="0"/>
-          </a:p>
-          <a:p>
-            <a:r>
-              <a:rPr lang="en-US" dirty="0" smtClean="0"/>
-              <a:t>public key: /</a:t>
-            </a:r>
-            <a:r>
-              <a:rPr lang="en-US" dirty="0" err="1" smtClean="0"/>
-              <a:t>var</a:t>
-            </a:r>
-            <a:r>
-              <a:rPr lang="en-US" dirty="0" smtClean="0"/>
-              <a:t>/lib/</a:t>
-            </a:r>
-            <a:r>
-              <a:rPr lang="en-US" dirty="0" err="1" smtClean="0"/>
-              <a:t>jenkins</a:t>
-            </a:r>
-            <a:r>
-              <a:rPr lang="en-US" dirty="0" smtClean="0"/>
-              <a:t>/.</a:t>
-            </a:r>
-            <a:r>
-              <a:rPr lang="en-US" dirty="0" err="1" smtClean="0"/>
-              <a:t>ssh</a:t>
-            </a:r>
-            <a:r>
-              <a:rPr lang="en-US" dirty="0" smtClean="0"/>
-              <a:t>/id_rsa.pub</a:t>
-            </a:r>
-          </a:p>
-          <a:p>
-            <a:endParaRPr lang="en-US" dirty="0" smtClean="0"/>
-          </a:p>
-          <a:p>
-            <a:r>
-              <a:rPr lang="en-US" sz="5000" dirty="0" smtClean="0"/>
-              <a:t>master:  Configure SSH credential</a:t>
-            </a:r>
-            <a:endParaRPr lang="en-US" sz="2500" dirty="0" smtClean="0"/>
-          </a:p>
-          <a:p>
-            <a:r>
-              <a:rPr lang="en-US" dirty="0" err="1" smtClean="0"/>
-              <a:t>ssh</a:t>
-            </a:r>
-            <a:r>
-              <a:rPr lang="en-US" dirty="0" smtClean="0"/>
-              <a:t> </a:t>
-            </a:r>
-            <a:r>
-              <a:rPr lang="en-US" dirty="0" err="1" smtClean="0"/>
-              <a:t>root@slave</a:t>
-            </a:r>
-            <a:r>
-              <a:rPr lang="en-US" dirty="0" smtClean="0"/>
-              <a:t> </a:t>
-            </a:r>
-            <a:r>
-              <a:rPr lang="en-US" dirty="0" err="1" smtClean="0"/>
-              <a:t>mkdir</a:t>
-            </a:r>
-            <a:r>
-              <a:rPr lang="en-US" dirty="0" smtClean="0"/>
-              <a:t> -p .</a:t>
-            </a:r>
-            <a:r>
-              <a:rPr lang="en-US" dirty="0" err="1" smtClean="0"/>
-              <a:t>ssh</a:t>
-            </a:r>
-            <a:endParaRPr lang="en-US" dirty="0" smtClean="0"/>
-          </a:p>
-          <a:p>
-            <a:r>
-              <a:rPr lang="en-US" dirty="0" smtClean="0"/>
-              <a:t>cat .</a:t>
-            </a:r>
-            <a:r>
-              <a:rPr lang="en-US" dirty="0" err="1" smtClean="0"/>
-              <a:t>ssh</a:t>
-            </a:r>
-            <a:r>
-              <a:rPr lang="en-US" dirty="0" smtClean="0"/>
-              <a:t>/id_rsa.pub | </a:t>
-            </a:r>
-            <a:r>
-              <a:rPr lang="en-US" dirty="0" err="1" smtClean="0"/>
-              <a:t>ssh</a:t>
-            </a:r>
-            <a:r>
-              <a:rPr lang="en-US" dirty="0" smtClean="0"/>
-              <a:t> </a:t>
-            </a:r>
-            <a:r>
-              <a:rPr lang="en-US" dirty="0" err="1" smtClean="0"/>
-              <a:t>root@slave</a:t>
-            </a:r>
-            <a:r>
-              <a:rPr lang="en-US" dirty="0" smtClean="0"/>
-              <a:t> 'cat &gt;&gt; .</a:t>
-            </a:r>
-            <a:r>
-              <a:rPr lang="en-US" dirty="0" err="1" smtClean="0"/>
-              <a:t>ssh</a:t>
-            </a:r>
-            <a:r>
-              <a:rPr lang="en-US" dirty="0" smtClean="0"/>
-              <a:t>/</a:t>
-            </a:r>
-            <a:r>
-              <a:rPr lang="en-US" dirty="0" err="1" smtClean="0"/>
-              <a:t>authorized_keys</a:t>
-            </a:r>
-            <a:r>
-              <a:rPr lang="en-US" dirty="0" smtClean="0"/>
-              <a:t>'</a:t>
-            </a:r>
-          </a:p>
-          <a:p>
-            <a:endParaRPr lang="en-US" dirty="0" smtClean="0"/>
-          </a:p>
-          <a:p>
-            <a:r>
-              <a:rPr lang="en-US" sz="5000" dirty="0" smtClean="0"/>
-              <a:t>slave: Configure Slave node</a:t>
-            </a:r>
-          </a:p>
-          <a:p>
-            <a:r>
-              <a:rPr lang="en-US" dirty="0" err="1" smtClean="0"/>
-              <a:t>mkdir</a:t>
-            </a:r>
-            <a:r>
-              <a:rPr lang="en-US" dirty="0" smtClean="0"/>
-              <a:t> bin </a:t>
-            </a:r>
-          </a:p>
-          <a:p>
-            <a:r>
-              <a:rPr lang="en-US" dirty="0" err="1" smtClean="0"/>
-              <a:t>cd</a:t>
-            </a:r>
-            <a:r>
-              <a:rPr lang="en-US" dirty="0" smtClean="0"/>
-              <a:t> bin/</a:t>
-            </a:r>
-          </a:p>
-          <a:p>
-            <a:r>
-              <a:rPr lang="en-US" dirty="0" err="1" smtClean="0"/>
-              <a:t>wget</a:t>
-            </a:r>
-            <a:r>
-              <a:rPr lang="en-US" dirty="0" smtClean="0"/>
-              <a:t> http://master:8080/jnlpJars/slave.jar </a:t>
-            </a:r>
-          </a:p>
-          <a:p>
-            <a:r>
-              <a:rPr lang="en-US" dirty="0" err="1" smtClean="0"/>
-              <a:t>sudo</a:t>
-            </a:r>
-            <a:r>
-              <a:rPr lang="en-US" dirty="0" smtClean="0"/>
-              <a:t> apt-get update</a:t>
-            </a:r>
-          </a:p>
-          <a:p>
-            <a:r>
-              <a:rPr lang="en-US" dirty="0" err="1" smtClean="0"/>
-              <a:t>sudo</a:t>
-            </a:r>
-            <a:r>
-              <a:rPr lang="en-US" dirty="0" smtClean="0"/>
-              <a:t> apt-get install default-</a:t>
-            </a:r>
-            <a:r>
-              <a:rPr lang="en-US" dirty="0" err="1" smtClean="0"/>
-              <a:t>jre</a:t>
-            </a:r>
-            <a:endParaRPr lang="en-US" dirty="0"/>
-          </a:p>
-        </p:txBody>
-      </p:sp>
-    </p:spTree>
-  </p:cSld>
-  <p:clrMapOvr>
-    <a:masterClrMapping/>
-  </p:clrMapOvr>
-  <p:timing>
-    <p:tnLst>
-      <p:par>
-        <p:cTn id="1" dur="indefinite" restart="never" nodeType="tmRoot"/>
-      </p:par>
-    </p:tnLst>
-  </p:timing>
-</p:sld>
-</file>
-
-<file path=ppt/slides/slide14.xml><?xml version="1.0" encoding="utf-8"?>
-<p:sld xmlns:a="http://schemas.openxmlformats.org/drawingml/2006/main" xmlns:r="http://schemas.openxmlformats.org/officeDocument/2006/relationships" xmlns:p="http://schemas.openxmlformats.org/presentationml/2006/main">
-  <p:cSld>
-    <p:spTree>
-      <p:nvGrpSpPr>
-        <p:cNvPr id="1" name=""/>
-        <p:cNvGrpSpPr/>
-        <p:nvPr/>
-      </p:nvGrpSpPr>
-      <p:grpSpPr>
-        <a:xfrm>
-          <a:off x="0" y="0"/>
-          <a:ext cx="0" cy="0"/>
-          <a:chOff x="0" y="0"/>
-          <a:chExt cx="0" cy="0"/>
-        </a:xfrm>
-      </p:grpSpPr>
-      <p:sp>
-        <p:nvSpPr>
-          <p:cNvPr id="2" name="Title 1"/>
-          <p:cNvSpPr>
-            <a:spLocks noGrp="1"/>
-          </p:cNvSpPr>
-          <p:nvPr>
-            <p:ph type="title"/>
-          </p:nvPr>
-        </p:nvSpPr>
-        <p:spPr/>
-        <p:txBody>
-          <a:bodyPr/>
-          <a:lstStyle/>
-          <a:p>
-            <a:r>
-              <a:rPr lang="en-US" dirty="0" smtClean="0"/>
-              <a:t>Set up with two Linux servers</a:t>
-            </a:r>
-            <a:endParaRPr lang="en-US" dirty="0"/>
-          </a:p>
-        </p:txBody>
-      </p:sp>
-      <p:pic>
-        <p:nvPicPr>
-          <p:cNvPr id="23554" name="Picture 2"/>
-          <p:cNvPicPr>
-            <a:picLocks noGrp="1" noChangeAspect="1" noChangeArrowheads="1"/>
-          </p:cNvPicPr>
-          <p:nvPr>
-            <p:ph idx="1"/>
-          </p:nvPr>
-        </p:nvPicPr>
-        <p:blipFill>
-          <a:blip r:embed="rId2" cstate="print"/>
-          <a:srcRect/>
-          <a:stretch>
-            <a:fillRect/>
-          </a:stretch>
-        </p:blipFill>
-        <p:spPr bwMode="auto">
-          <a:xfrm>
-            <a:off x="457200" y="2380149"/>
-            <a:ext cx="8229600" cy="3499464"/>
-          </a:xfrm>
-          <a:prstGeom prst="rect">
-            <a:avLst/>
-          </a:prstGeom>
-          <a:noFill/>
-          <a:ln w="9525">
-            <a:noFill/>
-            <a:miter lim="800000"/>
-            <a:headEnd/>
-            <a:tailEnd/>
-          </a:ln>
-        </p:spPr>
-      </p:pic>
-    </p:spTree>
-  </p:cSld>
-  <p:clrMapOvr>
-    <a:masterClrMapping/>
-  </p:clrMapOvr>
-  <p:timing>
-    <p:tnLst>
-      <p:par>
-        <p:cTn id="1" dur="indefinite" restart="never" nodeType="tmRoot"/>
-      </p:par>
-    </p:tnLst>
-  </p:timing>
-</p:sld>
-</file>
-
-<file path=ppt/slides/slide15.xml><?xml version="1.0" encoding="utf-8"?>
-<p:sld xmlns:a="http://schemas.openxmlformats.org/drawingml/2006/main" xmlns:r="http://schemas.openxmlformats.org/officeDocument/2006/relationships" xmlns:p="http://schemas.openxmlformats.org/presentationml/2006/main">
-  <p:cSld>
-    <p:spTree>
-      <p:nvGrpSpPr>
-        <p:cNvPr id="1" name=""/>
-        <p:cNvGrpSpPr/>
-        <p:nvPr/>
-      </p:nvGrpSpPr>
-      <p:grpSpPr>
-        <a:xfrm>
-          <a:off x="0" y="0"/>
-          <a:ext cx="0" cy="0"/>
-          <a:chOff x="0" y="0"/>
-          <a:chExt cx="0" cy="0"/>
-        </a:xfrm>
-      </p:grpSpPr>
-      <p:sp>
-        <p:nvSpPr>
-          <p:cNvPr id="2" name="Title 1"/>
-          <p:cNvSpPr>
-            <a:spLocks noGrp="1"/>
-          </p:cNvSpPr>
-          <p:nvPr>
-            <p:ph type="title"/>
-          </p:nvPr>
-        </p:nvSpPr>
-        <p:spPr/>
-        <p:txBody>
-          <a:bodyPr/>
-          <a:lstStyle/>
-          <a:p>
             <a:endParaRPr lang="en-US"/>
           </a:p>
         </p:txBody>
@@ -4938,7 +4038,7 @@
 </p:sld>
 </file>
 
-<file path=ppt/slides/slide16.xml><?xml version="1.0" encoding="utf-8"?>
+<file path=ppt/slides/slide11.xml><?xml version="1.0" encoding="utf-8"?>
 <p:sld xmlns:a="http://schemas.openxmlformats.org/drawingml/2006/main" xmlns:r="http://schemas.openxmlformats.org/officeDocument/2006/relationships" xmlns:p="http://schemas.openxmlformats.org/presentationml/2006/main">
   <p:cSld>
     <p:spTree>
@@ -5165,7 +4265,7 @@
         <p:spPr/>
         <p:txBody>
           <a:bodyPr>
-            <a:normAutofit fontScale="92500" lnSpcReduction="10000"/>
+            <a:normAutofit/>
           </a:bodyPr>
           <a:lstStyle/>
           <a:p>
@@ -5253,12 +4353,6 @@
             <a:r>
               <a:rPr lang="en-US" dirty="0" smtClean="0"/>
               <a:t>Pipeline</a:t>
-            </a:r>
-          </a:p>
-          <a:p>
-            <a:r>
-              <a:rPr lang="en-US" dirty="0" smtClean="0"/>
-              <a:t>Master Slave</a:t>
             </a:r>
             <a:endParaRPr lang="en-US" dirty="0"/>
           </a:p>
@@ -5586,117 +4680,6 @@
           <a:p>
             <a:r>
               <a:rPr lang="en-US" dirty="0" smtClean="0"/>
-              <a:t>Introduction</a:t>
-            </a:r>
-            <a:endParaRPr lang="en-US" dirty="0"/>
-          </a:p>
-        </p:txBody>
-      </p:sp>
-      <p:sp>
-        <p:nvSpPr>
-          <p:cNvPr id="3" name="Content Placeholder 2"/>
-          <p:cNvSpPr>
-            <a:spLocks noGrp="1"/>
-          </p:cNvSpPr>
-          <p:nvPr>
-            <p:ph idx="1"/>
-          </p:nvPr>
-        </p:nvSpPr>
-        <p:spPr/>
-        <p:txBody>
-          <a:bodyPr/>
-          <a:lstStyle/>
-          <a:p>
-            <a:r>
-              <a:rPr lang="en-US" altLang="zh-TW" dirty="0" smtClean="0"/>
-              <a:t>Continuous Integration</a:t>
-            </a:r>
-          </a:p>
-          <a:p>
-            <a:pPr lvl="1"/>
-            <a:r>
-              <a:rPr lang="en-US" altLang="zh-TW" dirty="0" smtClean="0"/>
-              <a:t>Merging development work.</a:t>
-            </a:r>
-          </a:p>
-          <a:p>
-            <a:r>
-              <a:rPr lang="en-US" dirty="0" smtClean="0"/>
-              <a:t>Continuous Delivery</a:t>
-            </a:r>
-          </a:p>
-          <a:p>
-            <a:pPr lvl="1"/>
-            <a:r>
-              <a:rPr lang="en-US" dirty="0" smtClean="0"/>
-              <a:t>Delivery of code to an environment.</a:t>
-            </a:r>
-          </a:p>
-          <a:p>
-            <a:r>
-              <a:rPr lang="en-US" dirty="0" smtClean="0"/>
-              <a:t>Continuous Deployment</a:t>
-            </a:r>
-          </a:p>
-          <a:p>
-            <a:pPr lvl="1"/>
-            <a:r>
-              <a:rPr lang="en-US" dirty="0" smtClean="0"/>
-              <a:t>Release of code to production.</a:t>
-            </a:r>
-            <a:endParaRPr lang="en-US" dirty="0"/>
-          </a:p>
-        </p:txBody>
-      </p:sp>
-    </p:spTree>
-  </p:cSld>
-  <p:clrMapOvr>
-    <a:masterClrMapping/>
-  </p:clrMapOvr>
-  <p:timing>
-    <p:tnLst>
-      <p:par>
-        <p:cTn id="1" dur="indefinite" restart="never" nodeType="tmRoot"/>
-      </p:par>
-    </p:tnLst>
-  </p:timing>
-</p:sld>
-</file>
-
-<file path=ppt/slides/slide6.xml><?xml version="1.0" encoding="utf-8"?>
-<p:sld xmlns:a="http://schemas.openxmlformats.org/drawingml/2006/main" xmlns:r="http://schemas.openxmlformats.org/officeDocument/2006/relationships" xmlns:p="http://schemas.openxmlformats.org/presentationml/2006/main">
-  <p:cSld>
-    <p:spTree>
-      <p:nvGrpSpPr>
-        <p:cNvPr id="1" name=""/>
-        <p:cNvGrpSpPr/>
-        <p:nvPr/>
-      </p:nvGrpSpPr>
-      <p:grpSpPr>
-        <a:xfrm>
-          <a:off x="0" y="0"/>
-          <a:ext cx="0" cy="0"/>
-          <a:chOff x="0" y="0"/>
-          <a:chExt cx="0" cy="0"/>
-        </a:xfrm>
-      </p:grpSpPr>
-      <p:sp>
-        <p:nvSpPr>
-          <p:cNvPr id="2" name="Title 1"/>
-          <p:cNvSpPr>
-            <a:spLocks noGrp="1"/>
-          </p:cNvSpPr>
-          <p:nvPr>
-            <p:ph type="title"/>
-          </p:nvPr>
-        </p:nvSpPr>
-        <p:spPr/>
-        <p:txBody>
-          <a:bodyPr/>
-          <a:lstStyle/>
-          <a:p>
-            <a:r>
-              <a:rPr lang="en-US" dirty="0" smtClean="0"/>
               <a:t>Some other CI servers</a:t>
             </a:r>
             <a:endParaRPr lang="en-US" dirty="0"/>
@@ -5783,7 +4766,7 @@
 </p:sld>
 </file>
 
-<file path=ppt/slides/slide7.xml><?xml version="1.0" encoding="utf-8"?>
+<file path=ppt/slides/slide6.xml><?xml version="1.0" encoding="utf-8"?>
 <p:sld xmlns:a="http://schemas.openxmlformats.org/drawingml/2006/main" xmlns:r="http://schemas.openxmlformats.org/officeDocument/2006/relationships" xmlns:p="http://schemas.openxmlformats.org/presentationml/2006/main">
   <p:cSld>
     <p:spTree>
@@ -5939,7 +4922,7 @@
 </p:sld>
 </file>
 
-<file path=ppt/slides/slide8.xml><?xml version="1.0" encoding="utf-8"?>
+<file path=ppt/slides/slide7.xml><?xml version="1.0" encoding="utf-8"?>
 <p:sld xmlns:a="http://schemas.openxmlformats.org/drawingml/2006/main" xmlns:r="http://schemas.openxmlformats.org/officeDocument/2006/relationships" xmlns:p="http://schemas.openxmlformats.org/presentationml/2006/main">
   <p:cSld>
     <p:spTree>
@@ -6073,7 +5056,7 @@
 </p:sld>
 </file>
 
-<file path=ppt/slides/slide9.xml><?xml version="1.0" encoding="utf-8"?>
+<file path=ppt/slides/slide8.xml><?xml version="1.0" encoding="utf-8"?>
 <p:sld xmlns:a="http://schemas.openxmlformats.org/drawingml/2006/main" xmlns:r="http://schemas.openxmlformats.org/officeDocument/2006/relationships" xmlns:p="http://schemas.openxmlformats.org/presentationml/2006/main">
   <p:cSld>
     <p:spTree>
@@ -6147,6 +5130,147 @@
           </a:ln>
         </p:spPr>
       </p:pic>
+    </p:spTree>
+  </p:cSld>
+  <p:clrMapOvr>
+    <a:masterClrMapping/>
+  </p:clrMapOvr>
+  <p:timing>
+    <p:tnLst>
+      <p:par>
+        <p:cTn id="1" dur="indefinite" restart="never" nodeType="tmRoot"/>
+      </p:par>
+    </p:tnLst>
+  </p:timing>
+</p:sld>
+</file>
+
+<file path=ppt/slides/slide9.xml><?xml version="1.0" encoding="utf-8"?>
+<p:sld xmlns:a="http://schemas.openxmlformats.org/drawingml/2006/main" xmlns:r="http://schemas.openxmlformats.org/officeDocument/2006/relationships" xmlns:p="http://schemas.openxmlformats.org/presentationml/2006/main">
+  <p:cSld>
+    <p:spTree>
+      <p:nvGrpSpPr>
+        <p:cNvPr id="1" name=""/>
+        <p:cNvGrpSpPr/>
+        <p:nvPr/>
+      </p:nvGrpSpPr>
+      <p:grpSpPr>
+        <a:xfrm>
+          <a:off x="0" y="0"/>
+          <a:ext cx="0" cy="0"/>
+          <a:chOff x="0" y="0"/>
+          <a:chExt cx="0" cy="0"/>
+        </a:xfrm>
+      </p:grpSpPr>
+      <p:sp>
+        <p:nvSpPr>
+          <p:cNvPr id="2" name="Title 1"/>
+          <p:cNvSpPr>
+            <a:spLocks noGrp="1"/>
+          </p:cNvSpPr>
+          <p:nvPr>
+            <p:ph type="title"/>
+          </p:nvPr>
+        </p:nvSpPr>
+        <p:spPr/>
+        <p:txBody>
+          <a:bodyPr/>
+          <a:lstStyle/>
+          <a:p>
+            <a:r>
+              <a:rPr lang="en-US" dirty="0" smtClean="0"/>
+              <a:t>Practices</a:t>
+            </a:r>
+            <a:endParaRPr lang="en-US" dirty="0"/>
+          </a:p>
+        </p:txBody>
+      </p:sp>
+      <p:sp>
+        <p:nvSpPr>
+          <p:cNvPr id="3" name="Content Placeholder 2"/>
+          <p:cNvSpPr>
+            <a:spLocks noGrp="1"/>
+          </p:cNvSpPr>
+          <p:nvPr>
+            <p:ph idx="1"/>
+          </p:nvPr>
+        </p:nvSpPr>
+        <p:spPr/>
+        <p:txBody>
+          <a:bodyPr/>
+          <a:lstStyle/>
+          <a:p>
+            <a:r>
+              <a:rPr lang="en-US" dirty="0" err="1" smtClean="0"/>
+              <a:t>Git</a:t>
+            </a:r>
+            <a:r>
+              <a:rPr lang="en-US" dirty="0" smtClean="0"/>
+              <a:t>, </a:t>
+            </a:r>
+            <a:r>
+              <a:rPr lang="en-US" dirty="0" err="1" smtClean="0"/>
+              <a:t>Github</a:t>
+            </a:r>
+            <a:endParaRPr lang="en-US" dirty="0" smtClean="0"/>
+          </a:p>
+          <a:p>
+            <a:r>
+              <a:rPr lang="en-US" dirty="0" err="1" smtClean="0"/>
+              <a:t>MSBuild</a:t>
+            </a:r>
+            <a:r>
+              <a:rPr lang="en-US" dirty="0" smtClean="0"/>
+              <a:t>, </a:t>
+            </a:r>
+            <a:r>
+              <a:rPr lang="en-US" dirty="0" err="1" smtClean="0"/>
+              <a:t>Nuget</a:t>
+            </a:r>
+            <a:r>
+              <a:rPr lang="en-US" dirty="0" smtClean="0"/>
+              <a:t>, </a:t>
+            </a:r>
+            <a:r>
+              <a:rPr lang="en-US" dirty="0" err="1" smtClean="0"/>
+              <a:t>Nunit</a:t>
+            </a:r>
+            <a:r>
+              <a:rPr lang="en-US" dirty="0" smtClean="0"/>
+              <a:t> </a:t>
+            </a:r>
+          </a:p>
+          <a:p>
+            <a:r>
+              <a:rPr lang="en-US" dirty="0" smtClean="0"/>
+              <a:t>Unit tests</a:t>
+            </a:r>
+          </a:p>
+          <a:p>
+            <a:r>
+              <a:rPr lang="en-US" dirty="0" err="1" smtClean="0"/>
+              <a:t>MSBuild</a:t>
+            </a:r>
+            <a:r>
+              <a:rPr lang="en-US" dirty="0" smtClean="0"/>
+              <a:t> Warnings</a:t>
+            </a:r>
+          </a:p>
+          <a:p>
+            <a:r>
+              <a:rPr lang="en-US" dirty="0" smtClean="0"/>
+              <a:t>SMTP/Email</a:t>
+            </a:r>
+          </a:p>
+          <a:p>
+            <a:r>
+              <a:rPr lang="en-US" dirty="0" smtClean="0"/>
+              <a:t>Pipeline</a:t>
+            </a:r>
+            <a:endParaRPr lang="en-US" dirty="0"/>
+          </a:p>
+        </p:txBody>
+      </p:sp>
     </p:spTree>
   </p:cSld>
   <p:clrMapOvr>

--- a/Introduction to Jenkins.pptx
+++ b/Introduction to Jenkins.pptx
@@ -4316,22 +4316,37 @@
             </a:r>
             <a:r>
               <a:rPr lang="en-US" dirty="0" smtClean="0"/>
-              <a:t>, </a:t>
-            </a:r>
+              <a:t> </a:t>
+            </a:r>
+          </a:p>
+          <a:p>
             <a:r>
               <a:rPr lang="en-US" dirty="0" err="1" smtClean="0"/>
               <a:t>Nunit</a:t>
             </a:r>
             <a:r>
               <a:rPr lang="en-US" dirty="0" smtClean="0"/>
-              <a:t> </a:t>
-            </a:r>
-          </a:p>
-          <a:p>
+              <a:t> Unit </a:t>
+            </a:r>
             <a:r>
               <a:rPr lang="en-US" dirty="0" smtClean="0"/>
-              <a:t>Unit tests</a:t>
-            </a:r>
+              <a:t>T</a:t>
+            </a:r>
+            <a:r>
+              <a:rPr lang="en-US" dirty="0" smtClean="0"/>
+              <a:t>ests</a:t>
+            </a:r>
+          </a:p>
+          <a:p>
+            <a:r>
+              <a:rPr lang="en-US" dirty="0" err="1" smtClean="0"/>
+              <a:t>MSTest</a:t>
+            </a:r>
+            <a:r>
+              <a:rPr lang="en-US" dirty="0" smtClean="0"/>
+              <a:t> Unit Tests</a:t>
+            </a:r>
+            <a:endParaRPr lang="en-US" dirty="0" smtClean="0"/>
           </a:p>
           <a:p>
             <a:r>
@@ -4342,12 +4357,7 @@
               <a:rPr lang="en-US" dirty="0" smtClean="0"/>
               <a:t> Warnings</a:t>
             </a:r>
-          </a:p>
-          <a:p>
-            <a:r>
-              <a:rPr lang="en-US" dirty="0" smtClean="0"/>
-              <a:t>SMTP/Email</a:t>
-            </a:r>
+            <a:endParaRPr lang="en-US" dirty="0" smtClean="0"/>
           </a:p>
           <a:p>
             <a:r>
@@ -5227,10 +5237,9 @@
               <a:rPr lang="en-US" dirty="0" err="1" smtClean="0"/>
               <a:t>Nuget</a:t>
             </a:r>
-            <a:r>
-              <a:rPr lang="en-US" dirty="0" smtClean="0"/>
-              <a:t>, </a:t>
-            </a:r>
+            <a:endParaRPr lang="en-US" dirty="0" smtClean="0"/>
+          </a:p>
+          <a:p>
             <a:r>
               <a:rPr lang="en-US" dirty="0" err="1" smtClean="0"/>
               <a:t>Nunit</a:t>
@@ -5239,12 +5248,30 @@
               <a:rPr lang="en-US" dirty="0" smtClean="0"/>
               <a:t> </a:t>
             </a:r>
-          </a:p>
-          <a:p>
+            <a:r>
+              <a:rPr lang="en-US" smtClean="0"/>
+              <a:t>Unit </a:t>
+            </a:r>
+            <a:r>
+              <a:rPr lang="en-US" smtClean="0"/>
+              <a:t>T</a:t>
+            </a:r>
+            <a:r>
+              <a:rPr lang="en-US" smtClean="0"/>
+              <a:t>ests</a:t>
+            </a:r>
+            <a:endParaRPr lang="en-US" dirty="0" smtClean="0"/>
+          </a:p>
+          <a:p>
+            <a:r>
+              <a:rPr lang="en-US" dirty="0" err="1" smtClean="0"/>
+              <a:t>MSTest</a:t>
+            </a:r>
             <a:r>
               <a:rPr lang="en-US" dirty="0" smtClean="0"/>
-              <a:t>Unit tests</a:t>
-            </a:r>
+              <a:t> Unit Tests</a:t>
+            </a:r>
+            <a:endParaRPr lang="en-US" dirty="0" smtClean="0"/>
           </a:p>
           <a:p>
             <a:r>
@@ -5253,14 +5280,13 @@
             </a:r>
             <a:r>
               <a:rPr lang="en-US" dirty="0" smtClean="0"/>
-              <a:t> Warnings</a:t>
-            </a:r>
-          </a:p>
-          <a:p>
+              <a:t> </a:t>
+            </a:r>
             <a:r>
               <a:rPr lang="en-US" dirty="0" smtClean="0"/>
-              <a:t>SMTP/Email</a:t>
-            </a:r>
+              <a:t>Warnings</a:t>
+            </a:r>
+            <a:endParaRPr lang="en-US" dirty="0" smtClean="0"/>
           </a:p>
           <a:p>
             <a:r>
